--- a/content/u18/cse331/media/slides/shortest_path_negatives.pptx
+++ b/content/u18/cse331/media/slides/shortest_path_negatives.pptx
@@ -293,7 +293,7 @@
           <a:lstStyle/>
           <a:p>
             <a:fld id="{FAB01A9D-F57C-4547-8FD3-A3844D0961BA}" type="datetimeFigureOut">
-              <a:t>6/4/18</a:t>
+              <a:t>6/18/18</a:t>
             </a:fld>
             <a:endParaRPr lang="en-US"/>
           </a:p>
@@ -459,7 +459,7 @@
           <a:lstStyle/>
           <a:p>
             <a:fld id="{FAB01A9D-F57C-4547-8FD3-A3844D0961BA}" type="datetimeFigureOut">
-              <a:t>6/4/18</a:t>
+              <a:t>6/18/18</a:t>
             </a:fld>
             <a:endParaRPr lang="en-US"/>
           </a:p>
@@ -635,7 +635,7 @@
           <a:lstStyle/>
           <a:p>
             <a:fld id="{FAB01A9D-F57C-4547-8FD3-A3844D0961BA}" type="datetimeFigureOut">
-              <a:t>6/4/18</a:t>
+              <a:t>6/18/18</a:t>
             </a:fld>
             <a:endParaRPr lang="en-US"/>
           </a:p>
@@ -801,7 +801,7 @@
           <a:lstStyle/>
           <a:p>
             <a:fld id="{FAB01A9D-F57C-4547-8FD3-A3844D0961BA}" type="datetimeFigureOut">
-              <a:t>6/4/18</a:t>
+              <a:t>6/18/18</a:t>
             </a:fld>
             <a:endParaRPr lang="en-US"/>
           </a:p>
@@ -1044,7 +1044,7 @@
           <a:lstStyle/>
           <a:p>
             <a:fld id="{FAB01A9D-F57C-4547-8FD3-A3844D0961BA}" type="datetimeFigureOut">
-              <a:t>6/4/18</a:t>
+              <a:t>6/18/18</a:t>
             </a:fld>
             <a:endParaRPr lang="en-US"/>
           </a:p>
@@ -1327,7 +1327,7 @@
           <a:lstStyle/>
           <a:p>
             <a:fld id="{FAB01A9D-F57C-4547-8FD3-A3844D0961BA}" type="datetimeFigureOut">
-              <a:t>6/4/18</a:t>
+              <a:t>6/18/18</a:t>
             </a:fld>
             <a:endParaRPr lang="en-US"/>
           </a:p>
@@ -1744,7 +1744,7 @@
           <a:lstStyle/>
           <a:p>
             <a:fld id="{FAB01A9D-F57C-4547-8FD3-A3844D0961BA}" type="datetimeFigureOut">
-              <a:t>6/4/18</a:t>
+              <a:t>6/18/18</a:t>
             </a:fld>
             <a:endParaRPr lang="en-US"/>
           </a:p>
@@ -1859,7 +1859,7 @@
           <a:lstStyle/>
           <a:p>
             <a:fld id="{FAB01A9D-F57C-4547-8FD3-A3844D0961BA}" type="datetimeFigureOut">
-              <a:t>6/4/18</a:t>
+              <a:t>6/18/18</a:t>
             </a:fld>
             <a:endParaRPr lang="en-US"/>
           </a:p>
@@ -1952,7 +1952,7 @@
           <a:lstStyle/>
           <a:p>
             <a:fld id="{FAB01A9D-F57C-4547-8FD3-A3844D0961BA}" type="datetimeFigureOut">
-              <a:t>6/4/18</a:t>
+              <a:t>6/18/18</a:t>
             </a:fld>
             <a:endParaRPr lang="en-US"/>
           </a:p>
@@ -2225,7 +2225,7 @@
           <a:lstStyle/>
           <a:p>
             <a:fld id="{FAB01A9D-F57C-4547-8FD3-A3844D0961BA}" type="datetimeFigureOut">
-              <a:t>6/4/18</a:t>
+              <a:t>6/18/18</a:t>
             </a:fld>
             <a:endParaRPr lang="en-US"/>
           </a:p>
@@ -2475,7 +2475,7 @@
           <a:lstStyle/>
           <a:p>
             <a:fld id="{FAB01A9D-F57C-4547-8FD3-A3844D0961BA}" type="datetimeFigureOut">
-              <a:t>6/4/18</a:t>
+              <a:t>6/18/18</a:t>
             </a:fld>
             <a:endParaRPr lang="en-US"/>
           </a:p>
@@ -2684,7 +2684,7 @@
           </a:lstStyle>
           <a:p>
             <a:fld id="{FAB01A9D-F57C-4547-8FD3-A3844D0961BA}" type="datetimeFigureOut">
-              <a:t>6/4/18</a:t>
+              <a:t>6/18/18</a:t>
             </a:fld>
             <a:endParaRPr lang="en-US"/>
           </a:p>
@@ -3112,6 +3112,13 @@
   <p:clrMapOvr>
     <a:masterClrMapping/>
   </p:clrMapOvr>
+  <p:timing>
+    <p:tnLst>
+      <p:par>
+        <p:cTn xmlns:p14="http://schemas.microsoft.com/office/powerpoint/2010/main" id="1" dur="indefinite" restart="never" nodeType="tmRoot"/>
+      </p:par>
+    </p:tnLst>
+  </p:timing>
 </p:sld>
 </file>
 
@@ -3502,7 +3509,7 @@
         <p:spPr bwMode="auto">
           <a:xfrm>
             <a:off x="1009650" y="5037138"/>
-            <a:ext cx="7038975" cy="368300"/>
+            <a:ext cx="7162500" cy="369332"/>
           </a:xfrm>
           <a:prstGeom prst="rect">
             <a:avLst/>
@@ -3649,7 +3656,7 @@
               <a:rPr lang="en-US" sz="1800">
                 <a:latin typeface="Calibri" charset="0"/>
               </a:rPr>
-              <a:t>There is an ordering among sub-problem that allows for iterative solution</a:t>
+              <a:t>There is an ordering among sub-problems that allows for iterative solution</a:t>
             </a:r>
           </a:p>
         </p:txBody>
@@ -3945,7 +3952,7 @@
         <p:spPr bwMode="auto">
           <a:xfrm>
             <a:off x="1292225" y="2171700"/>
-            <a:ext cx="7356475" cy="368300"/>
+            <a:ext cx="7401485" cy="646331"/>
           </a:xfrm>
           <a:prstGeom prst="rect">
             <a:avLst/>
@@ -4161,8 +4168,29 @@
               <a:rPr lang="en-US" sz="1800">
                 <a:latin typeface="Calibri" charset="0"/>
               </a:rPr>
-              <a:t>)</a:t>
-            </a:r>
+              <a:t>) </a:t>
+            </a:r>
+          </a:p>
+          <a:p>
+            <a:pPr eaLnBrk="1" hangingPunct="1"/>
+            <a:r>
+              <a:rPr lang="en-US" sz="1800">
+                <a:latin typeface="Calibri" charset="0"/>
+              </a:rPr>
+              <a:t>and no negative cycles in </a:t>
+            </a:r>
+            <a:r>
+              <a:rPr lang="en-US" sz="1800">
+                <a:solidFill>
+                  <a:srgbClr val="B100B1"/>
+                </a:solidFill>
+                <a:latin typeface="Calibri" charset="0"/>
+              </a:rPr>
+              <a:t>G</a:t>
+            </a:r>
+            <a:endParaRPr lang="en-US" sz="1800">
+              <a:latin typeface="Calibri" charset="0"/>
+            </a:endParaRPr>
           </a:p>
         </p:txBody>
       </p:sp>
@@ -4176,7 +4204,7 @@
         </p:nvSpPr>
         <p:spPr bwMode="auto">
           <a:xfrm>
-            <a:off x="2041525" y="2757488"/>
+            <a:off x="1901031" y="2818031"/>
             <a:ext cx="671513" cy="368300"/>
           </a:xfrm>
           <a:prstGeom prst="rect">
@@ -4357,7 +4385,7 @@
         </p:nvSpPr>
         <p:spPr bwMode="auto">
           <a:xfrm>
-            <a:off x="1292225" y="3549650"/>
+            <a:off x="1292225" y="3364706"/>
             <a:ext cx="3830638" cy="369888"/>
           </a:xfrm>
           <a:prstGeom prst="rect">
@@ -6219,7 +6247,7 @@
         </p:nvSpPr>
         <p:spPr>
           <a:xfrm>
-            <a:off x="5786438" y="3919538"/>
+            <a:off x="5786438" y="4517838"/>
             <a:ext cx="2900362" cy="1897062"/>
           </a:xfrm>
           <a:prstGeom prst="cloudCallout">
@@ -6277,6 +6305,62 @@
               <a:rPr lang="en-US" dirty="0"/>
               <a:t> has no negative cycle</a:t>
             </a:r>
+          </a:p>
+        </p:txBody>
+      </p:sp>
+      <p:sp>
+        <p:nvSpPr>
+          <p:cNvPr id="3" name="TextBox 2"/>
+          <p:cNvSpPr txBox="1"/>
+          <p:nvPr/>
+        </p:nvSpPr>
+        <p:spPr>
+          <a:xfrm>
+            <a:off x="1355288" y="3904209"/>
+            <a:ext cx="7401673" cy="369332"/>
+          </a:xfrm>
+          <a:prstGeom prst="rect">
+            <a:avLst/>
+          </a:prstGeom>
+          <a:noFill/>
+        </p:spPr>
+        <p:txBody>
+          <a:bodyPr wrap="none" rtlCol="0">
+            <a:spAutoFit/>
+          </a:bodyPr>
+          <a:lstStyle/>
+          <a:p>
+            <a:r>
+              <a:rPr lang="en-US"/>
+              <a:t>(Can also reverse the problem and find Shortest path from </a:t>
+            </a:r>
+            <a:r>
+              <a:rPr lang="en-US">
+                <a:solidFill>
+                  <a:srgbClr val="B100B1"/>
+                </a:solidFill>
+                <a:latin typeface="Calibri" charset="0"/>
+              </a:rPr>
+              <a:t>s </a:t>
+            </a:r>
+            <a:r>
+              <a:rPr lang="en-US"/>
+              <a:t>to every node </a:t>
+            </a:r>
+            <a:r>
+              <a:rPr lang="en-US">
+                <a:solidFill>
+                  <a:srgbClr val="B100B1"/>
+                </a:solidFill>
+                <a:latin typeface="Calibri" charset="0"/>
+              </a:rPr>
+              <a:t>t</a:t>
+            </a:r>
+            <a:r>
+              <a:rPr lang="en-US"/>
+              <a:t>)</a:t>
+            </a:r>
+            <a:endParaRPr lang="en-US"/>
           </a:p>
         </p:txBody>
       </p:sp>

--- a/content/u18/cse331/media/slides/shortest_path_negatives.pptx
+++ b/content/u18/cse331/media/slides/shortest_path_negatives.pptx
@@ -8,12 +8,10 @@
     <p:sldId id="256" r:id="rId2"/>
     <p:sldId id="257" r:id="rId3"/>
     <p:sldId id="258" r:id="rId4"/>
-    <p:sldId id="259" r:id="rId5"/>
-    <p:sldId id="260" r:id="rId6"/>
-    <p:sldId id="261" r:id="rId7"/>
-    <p:sldId id="262" r:id="rId8"/>
-    <p:sldId id="263" r:id="rId9"/>
-    <p:sldId id="264" r:id="rId10"/>
+    <p:sldId id="260" r:id="rId5"/>
+    <p:sldId id="261" r:id="rId6"/>
+    <p:sldId id="263" r:id="rId7"/>
+    <p:sldId id="264" r:id="rId8"/>
   </p:sldIdLst>
   <p:sldSz cx="9144000" cy="6858000" type="screen4x3"/>
   <p:notesSz cx="6858000" cy="9144000"/>
@@ -6565,232 +6563,6 @@
       </p:grpSpPr>
       <p:sp>
         <p:nvSpPr>
-          <p:cNvPr id="16385" name="Title 1"/>
-          <p:cNvSpPr>
-            <a:spLocks noGrp="1"/>
-          </p:cNvSpPr>
-          <p:nvPr>
-            <p:ph type="title"/>
-          </p:nvPr>
-        </p:nvSpPr>
-        <p:spPr/>
-        <p:txBody>
-          <a:bodyPr/>
-          <a:lstStyle/>
-          <a:p>
-            <a:r>
-              <a:rPr lang="en-US">
-                <a:latin typeface="Calibri" charset="0"/>
-                <a:ea typeface="ＭＳ Ｐゴシック" charset="0"/>
-                <a:cs typeface="ＭＳ Ｐゴシック" charset="0"/>
-              </a:rPr>
-              <a:t>Rest of today’s agenda</a:t>
-            </a:r>
-          </a:p>
-        </p:txBody>
-      </p:sp>
-      <p:sp>
-        <p:nvSpPr>
-          <p:cNvPr id="16386" name="TextBox 2"/>
-          <p:cNvSpPr txBox="1">
-            <a:spLocks noChangeArrowheads="1"/>
-          </p:cNvSpPr>
-          <p:nvPr/>
-        </p:nvSpPr>
-        <p:spPr bwMode="auto">
-          <a:xfrm>
-            <a:off x="2838450" y="2443163"/>
-            <a:ext cx="3467100" cy="368300"/>
-          </a:xfrm>
-          <a:prstGeom prst="rect">
-            <a:avLst/>
-          </a:prstGeom>
-          <a:noFill/>
-          <a:ln>
-            <a:noFill/>
-          </a:ln>
-          <a:extLst>
-            <a:ext uri="{909E8E84-426E-40dd-AFC4-6F175D3DCCD1}">
-              <a14:hiddenFill xmlns:a14="http://schemas.microsoft.com/office/drawing/2010/main">
-                <a:solidFill>
-                  <a:srgbClr val="FFFFFF"/>
-                </a:solidFill>
-              </a14:hiddenFill>
-            </a:ext>
-            <a:ext uri="{91240B29-F687-4f45-9708-019B960494DF}">
-              <a14:hiddenLine xmlns:a14="http://schemas.microsoft.com/office/drawing/2010/main" w="9525">
-                <a:solidFill>
-                  <a:srgbClr val="000000"/>
-                </a:solidFill>
-                <a:miter lim="800000"/>
-                <a:headEnd/>
-                <a:tailEnd/>
-              </a14:hiddenLine>
-            </a:ext>
-          </a:extLst>
-        </p:spPr>
-        <p:txBody>
-          <a:bodyPr wrap="none">
-            <a:spAutoFit/>
-          </a:bodyPr>
-          <a:lstStyle>
-            <a:lvl1pPr eaLnBrk="0" hangingPunct="0">
-              <a:defRPr sz="2400">
-                <a:solidFill>
-                  <a:schemeClr val="tx1"/>
-                </a:solidFill>
-                <a:latin typeface="Arial" charset="0"/>
-                <a:ea typeface="ＭＳ Ｐゴシック" charset="0"/>
-                <a:cs typeface="ＭＳ Ｐゴシック" charset="0"/>
-              </a:defRPr>
-            </a:lvl1pPr>
-            <a:lvl2pPr marL="742950" indent="-285750" eaLnBrk="0" hangingPunct="0">
-              <a:defRPr sz="2400">
-                <a:solidFill>
-                  <a:schemeClr val="tx1"/>
-                </a:solidFill>
-                <a:latin typeface="Arial" charset="0"/>
-                <a:ea typeface="ＭＳ Ｐゴシック" charset="0"/>
-              </a:defRPr>
-            </a:lvl2pPr>
-            <a:lvl3pPr marL="1143000" indent="-228600" eaLnBrk="0" hangingPunct="0">
-              <a:defRPr sz="2400">
-                <a:solidFill>
-                  <a:schemeClr val="tx1"/>
-                </a:solidFill>
-                <a:latin typeface="Arial" charset="0"/>
-                <a:ea typeface="ＭＳ Ｐゴシック" charset="0"/>
-              </a:defRPr>
-            </a:lvl3pPr>
-            <a:lvl4pPr marL="1600200" indent="-228600" eaLnBrk="0" hangingPunct="0">
-              <a:defRPr sz="2400">
-                <a:solidFill>
-                  <a:schemeClr val="tx1"/>
-                </a:solidFill>
-                <a:latin typeface="Arial" charset="0"/>
-                <a:ea typeface="ＭＳ Ｐゴシック" charset="0"/>
-              </a:defRPr>
-            </a:lvl4pPr>
-            <a:lvl5pPr marL="2057400" indent="-228600" eaLnBrk="0" hangingPunct="0">
-              <a:defRPr sz="2400">
-                <a:solidFill>
-                  <a:schemeClr val="tx1"/>
-                </a:solidFill>
-                <a:latin typeface="Arial" charset="0"/>
-                <a:ea typeface="ＭＳ Ｐゴシック" charset="0"/>
-              </a:defRPr>
-            </a:lvl5pPr>
-            <a:lvl6pPr marL="2514600" indent="-228600" eaLnBrk="0" fontAlgn="base" hangingPunct="0">
-              <a:spcBef>
-                <a:spcPct val="0"/>
-              </a:spcBef>
-              <a:spcAft>
-                <a:spcPct val="0"/>
-              </a:spcAft>
-              <a:defRPr sz="2400">
-                <a:solidFill>
-                  <a:schemeClr val="tx1"/>
-                </a:solidFill>
-                <a:latin typeface="Arial" charset="0"/>
-                <a:ea typeface="ＭＳ Ｐゴシック" charset="0"/>
-              </a:defRPr>
-            </a:lvl6pPr>
-            <a:lvl7pPr marL="2971800" indent="-228600" eaLnBrk="0" fontAlgn="base" hangingPunct="0">
-              <a:spcBef>
-                <a:spcPct val="0"/>
-              </a:spcBef>
-              <a:spcAft>
-                <a:spcPct val="0"/>
-              </a:spcAft>
-              <a:defRPr sz="2400">
-                <a:solidFill>
-                  <a:schemeClr val="tx1"/>
-                </a:solidFill>
-                <a:latin typeface="Arial" charset="0"/>
-                <a:ea typeface="ＭＳ Ｐゴシック" charset="0"/>
-              </a:defRPr>
-            </a:lvl7pPr>
-            <a:lvl8pPr marL="3429000" indent="-228600" eaLnBrk="0" fontAlgn="base" hangingPunct="0">
-              <a:spcBef>
-                <a:spcPct val="0"/>
-              </a:spcBef>
-              <a:spcAft>
-                <a:spcPct val="0"/>
-              </a:spcAft>
-              <a:defRPr sz="2400">
-                <a:solidFill>
-                  <a:schemeClr val="tx1"/>
-                </a:solidFill>
-                <a:latin typeface="Arial" charset="0"/>
-                <a:ea typeface="ＭＳ Ｐゴシック" charset="0"/>
-              </a:defRPr>
-            </a:lvl8pPr>
-            <a:lvl9pPr marL="3886200" indent="-228600" eaLnBrk="0" fontAlgn="base" hangingPunct="0">
-              <a:spcBef>
-                <a:spcPct val="0"/>
-              </a:spcBef>
-              <a:spcAft>
-                <a:spcPct val="0"/>
-              </a:spcAft>
-              <a:defRPr sz="2400">
-                <a:solidFill>
-                  <a:schemeClr val="tx1"/>
-                </a:solidFill>
-                <a:latin typeface="Arial" charset="0"/>
-                <a:ea typeface="ＭＳ Ｐゴシック" charset="0"/>
-              </a:defRPr>
-            </a:lvl9pPr>
-          </a:lstStyle>
-          <a:p>
-            <a:pPr eaLnBrk="1" hangingPunct="1"/>
-            <a:r>
-              <a:rPr lang="en-US" sz="1800">
-                <a:latin typeface="Calibri" charset="0"/>
-              </a:rPr>
-              <a:t>Dynamic Program for shortest path</a:t>
-            </a:r>
-          </a:p>
-        </p:txBody>
-      </p:sp>
-    </p:spTree>
-    <p:extLst>
-      <p:ext uri="{BB962C8B-B14F-4D97-AF65-F5344CB8AC3E}">
-        <p14:creationId xmlns:p14="http://schemas.microsoft.com/office/powerpoint/2010/main" val="558210536"/>
-      </p:ext>
-    </p:extLst>
-  </p:cSld>
-  <p:clrMapOvr>
-    <a:masterClrMapping/>
-  </p:clrMapOvr>
-  <p:timing>
-    <p:tnLst>
-      <p:par>
-        <p:cTn xmlns:p14="http://schemas.microsoft.com/office/powerpoint/2010/main" id="1" dur="indefinite" restart="never" nodeType="tmRoot"/>
-      </p:par>
-    </p:tnLst>
-  </p:timing>
-</p:sld>
-</file>
-
-<file path=ppt/slides/slide5.xml><?xml version="1.0" encoding="utf-8"?>
-<p:sld xmlns:a="http://schemas.openxmlformats.org/drawingml/2006/main" xmlns:r="http://schemas.openxmlformats.org/officeDocument/2006/relationships" xmlns:p="http://schemas.openxmlformats.org/presentationml/2006/main">
-  <p:cSld>
-    <p:spTree>
-      <p:nvGrpSpPr>
-        <p:cNvPr id="1" name=""/>
-        <p:cNvGrpSpPr/>
-        <p:nvPr/>
-      </p:nvGrpSpPr>
-      <p:grpSpPr>
-        <a:xfrm>
-          <a:off x="0" y="0"/>
-          <a:ext cx="0" cy="0"/>
-          <a:chOff x="0" y="0"/>
-          <a:chExt cx="0" cy="0"/>
-        </a:xfrm>
-      </p:grpSpPr>
-      <p:sp>
-        <p:nvSpPr>
           <p:cNvPr id="17409" name="Title 1"/>
           <p:cNvSpPr>
             <a:spLocks noGrp="1"/>
@@ -6889,7 +6661,7 @@
 </p:sld>
 </file>
 
-<file path=ppt/slides/slide6.xml><?xml version="1.0" encoding="utf-8"?>
+<file path=ppt/slides/slide5.xml><?xml version="1.0" encoding="utf-8"?>
 <p:sld xmlns:a="http://schemas.openxmlformats.org/drawingml/2006/main" xmlns:r="http://schemas.openxmlformats.org/officeDocument/2006/relationships" xmlns:p="http://schemas.openxmlformats.org/presentationml/2006/main">
   <p:cSld>
     <p:spTree>
@@ -7693,418 +7465,7 @@
 </p:sld>
 </file>
 
-<file path=ppt/slides/slide7.xml><?xml version="1.0" encoding="utf-8"?>
-<p:sld xmlns:a="http://schemas.openxmlformats.org/drawingml/2006/main" xmlns:r="http://schemas.openxmlformats.org/officeDocument/2006/relationships" xmlns:p="http://schemas.openxmlformats.org/presentationml/2006/main">
-  <p:cSld>
-    <p:spTree>
-      <p:nvGrpSpPr>
-        <p:cNvPr id="1" name=""/>
-        <p:cNvGrpSpPr/>
-        <p:nvPr/>
-      </p:nvGrpSpPr>
-      <p:grpSpPr>
-        <a:xfrm>
-          <a:off x="0" y="0"/>
-          <a:ext cx="0" cy="0"/>
-          <a:chOff x="0" y="0"/>
-          <a:chExt cx="0" cy="0"/>
-        </a:xfrm>
-      </p:grpSpPr>
-      <p:sp>
-        <p:nvSpPr>
-          <p:cNvPr id="19457" name="Title 1"/>
-          <p:cNvSpPr>
-            <a:spLocks noGrp="1"/>
-          </p:cNvSpPr>
-          <p:nvPr>
-            <p:ph type="title"/>
-          </p:nvPr>
-        </p:nvSpPr>
-        <p:spPr/>
-        <p:txBody>
-          <a:bodyPr/>
-          <a:lstStyle/>
-          <a:p>
-            <a:pPr eaLnBrk="1" hangingPunct="1"/>
-            <a:r>
-              <a:rPr lang="en-US">
-                <a:latin typeface="Calibri" charset="0"/>
-                <a:ea typeface="ＭＳ Ｐゴシック" charset="0"/>
-                <a:cs typeface="ＭＳ Ｐゴシック" charset="0"/>
-              </a:rPr>
-              <a:t>Today</a:t>
-            </a:r>
-            <a:r>
-              <a:rPr lang="ja-JP" altLang="en-US">
-                <a:latin typeface="Calibri" charset="0"/>
-                <a:ea typeface="ＭＳ Ｐゴシック" charset="0"/>
-                <a:cs typeface="ＭＳ Ｐゴシック" charset="0"/>
-              </a:rPr>
-              <a:t>’</a:t>
-            </a:r>
-            <a:r>
-              <a:rPr lang="en-US" altLang="ja-JP">
-                <a:latin typeface="Calibri" charset="0"/>
-                <a:ea typeface="ＭＳ Ｐゴシック" charset="0"/>
-                <a:cs typeface="ＭＳ Ｐゴシック" charset="0"/>
-              </a:rPr>
-              <a:t>s agenda</a:t>
-            </a:r>
-            <a:endParaRPr lang="en-US">
-              <a:latin typeface="Calibri" charset="0"/>
-              <a:ea typeface="ＭＳ Ｐゴシック" charset="0"/>
-              <a:cs typeface="ＭＳ Ｐゴシック" charset="0"/>
-            </a:endParaRPr>
-          </a:p>
-        </p:txBody>
-      </p:sp>
-      <p:sp>
-        <p:nvSpPr>
-          <p:cNvPr id="19458" name="TextBox 2"/>
-          <p:cNvSpPr txBox="1">
-            <a:spLocks noChangeArrowheads="1"/>
-          </p:cNvSpPr>
-          <p:nvPr/>
-        </p:nvSpPr>
-        <p:spPr bwMode="auto">
-          <a:xfrm>
-            <a:off x="1443038" y="2322513"/>
-            <a:ext cx="3000375" cy="369887"/>
-          </a:xfrm>
-          <a:prstGeom prst="rect">
-            <a:avLst/>
-          </a:prstGeom>
-          <a:noFill/>
-          <a:ln>
-            <a:noFill/>
-          </a:ln>
-          <a:extLst>
-            <a:ext uri="{909E8E84-426E-40dd-AFC4-6F175D3DCCD1}">
-              <a14:hiddenFill xmlns:a14="http://schemas.microsoft.com/office/drawing/2010/main">
-                <a:solidFill>
-                  <a:srgbClr val="FFFFFF"/>
-                </a:solidFill>
-              </a14:hiddenFill>
-            </a:ext>
-            <a:ext uri="{91240B29-F687-4f45-9708-019B960494DF}">
-              <a14:hiddenLine xmlns:a14="http://schemas.microsoft.com/office/drawing/2010/main" w="9525">
-                <a:solidFill>
-                  <a:srgbClr val="000000"/>
-                </a:solidFill>
-                <a:miter lim="800000"/>
-                <a:headEnd/>
-                <a:tailEnd/>
-              </a14:hiddenLine>
-            </a:ext>
-          </a:extLst>
-        </p:spPr>
-        <p:txBody>
-          <a:bodyPr wrap="none">
-            <a:spAutoFit/>
-          </a:bodyPr>
-          <a:lstStyle>
-            <a:lvl1pPr eaLnBrk="0" hangingPunct="0">
-              <a:defRPr sz="2400">
-                <a:solidFill>
-                  <a:schemeClr val="tx1"/>
-                </a:solidFill>
-                <a:latin typeface="Arial" charset="0"/>
-                <a:ea typeface="ＭＳ Ｐゴシック" charset="0"/>
-                <a:cs typeface="ＭＳ Ｐゴシック" charset="0"/>
-              </a:defRPr>
-            </a:lvl1pPr>
-            <a:lvl2pPr marL="742950" indent="-285750" eaLnBrk="0" hangingPunct="0">
-              <a:defRPr sz="2400">
-                <a:solidFill>
-                  <a:schemeClr val="tx1"/>
-                </a:solidFill>
-                <a:latin typeface="Arial" charset="0"/>
-                <a:ea typeface="ＭＳ Ｐゴシック" charset="0"/>
-              </a:defRPr>
-            </a:lvl2pPr>
-            <a:lvl3pPr marL="1143000" indent="-228600" eaLnBrk="0" hangingPunct="0">
-              <a:defRPr sz="2400">
-                <a:solidFill>
-                  <a:schemeClr val="tx1"/>
-                </a:solidFill>
-                <a:latin typeface="Arial" charset="0"/>
-                <a:ea typeface="ＭＳ Ｐゴシック" charset="0"/>
-              </a:defRPr>
-            </a:lvl3pPr>
-            <a:lvl4pPr marL="1600200" indent="-228600" eaLnBrk="0" hangingPunct="0">
-              <a:defRPr sz="2400">
-                <a:solidFill>
-                  <a:schemeClr val="tx1"/>
-                </a:solidFill>
-                <a:latin typeface="Arial" charset="0"/>
-                <a:ea typeface="ＭＳ Ｐゴシック" charset="0"/>
-              </a:defRPr>
-            </a:lvl4pPr>
-            <a:lvl5pPr marL="2057400" indent="-228600" eaLnBrk="0" hangingPunct="0">
-              <a:defRPr sz="2400">
-                <a:solidFill>
-                  <a:schemeClr val="tx1"/>
-                </a:solidFill>
-                <a:latin typeface="Arial" charset="0"/>
-                <a:ea typeface="ＭＳ Ｐゴシック" charset="0"/>
-              </a:defRPr>
-            </a:lvl5pPr>
-            <a:lvl6pPr marL="2514600" indent="-228600" eaLnBrk="0" fontAlgn="base" hangingPunct="0">
-              <a:spcBef>
-                <a:spcPct val="0"/>
-              </a:spcBef>
-              <a:spcAft>
-                <a:spcPct val="0"/>
-              </a:spcAft>
-              <a:defRPr sz="2400">
-                <a:solidFill>
-                  <a:schemeClr val="tx1"/>
-                </a:solidFill>
-                <a:latin typeface="Arial" charset="0"/>
-                <a:ea typeface="ＭＳ Ｐゴシック" charset="0"/>
-              </a:defRPr>
-            </a:lvl6pPr>
-            <a:lvl7pPr marL="2971800" indent="-228600" eaLnBrk="0" fontAlgn="base" hangingPunct="0">
-              <a:spcBef>
-                <a:spcPct val="0"/>
-              </a:spcBef>
-              <a:spcAft>
-                <a:spcPct val="0"/>
-              </a:spcAft>
-              <a:defRPr sz="2400">
-                <a:solidFill>
-                  <a:schemeClr val="tx1"/>
-                </a:solidFill>
-                <a:latin typeface="Arial" charset="0"/>
-                <a:ea typeface="ＭＳ Ｐゴシック" charset="0"/>
-              </a:defRPr>
-            </a:lvl7pPr>
-            <a:lvl8pPr marL="3429000" indent="-228600" eaLnBrk="0" fontAlgn="base" hangingPunct="0">
-              <a:spcBef>
-                <a:spcPct val="0"/>
-              </a:spcBef>
-              <a:spcAft>
-                <a:spcPct val="0"/>
-              </a:spcAft>
-              <a:defRPr sz="2400">
-                <a:solidFill>
-                  <a:schemeClr val="tx1"/>
-                </a:solidFill>
-                <a:latin typeface="Arial" charset="0"/>
-                <a:ea typeface="ＭＳ Ｐゴシック" charset="0"/>
-              </a:defRPr>
-            </a:lvl8pPr>
-            <a:lvl9pPr marL="3886200" indent="-228600" eaLnBrk="0" fontAlgn="base" hangingPunct="0">
-              <a:spcBef>
-                <a:spcPct val="0"/>
-              </a:spcBef>
-              <a:spcAft>
-                <a:spcPct val="0"/>
-              </a:spcAft>
-              <a:defRPr sz="2400">
-                <a:solidFill>
-                  <a:schemeClr val="tx1"/>
-                </a:solidFill>
-                <a:latin typeface="Arial" charset="0"/>
-                <a:ea typeface="ＭＳ Ｐゴシック" charset="0"/>
-              </a:defRPr>
-            </a:lvl9pPr>
-          </a:lstStyle>
-          <a:p>
-            <a:pPr eaLnBrk="1" hangingPunct="1"/>
-            <a:r>
-              <a:rPr lang="en-US" sz="1800">
-                <a:latin typeface="Calibri" charset="0"/>
-              </a:rPr>
-              <a:t>Finish Bellman-Ford algorithm</a:t>
-            </a:r>
-          </a:p>
-        </p:txBody>
-      </p:sp>
-      <p:sp>
-        <p:nvSpPr>
-          <p:cNvPr id="19459" name="TextBox 3"/>
-          <p:cNvSpPr txBox="1">
-            <a:spLocks noChangeArrowheads="1"/>
-          </p:cNvSpPr>
-          <p:nvPr/>
-        </p:nvSpPr>
-        <p:spPr bwMode="auto">
-          <a:xfrm>
-            <a:off x="1443038" y="3462338"/>
-            <a:ext cx="2127250" cy="369887"/>
-          </a:xfrm>
-          <a:prstGeom prst="rect">
-            <a:avLst/>
-          </a:prstGeom>
-          <a:noFill/>
-          <a:ln>
-            <a:noFill/>
-          </a:ln>
-          <a:extLst>
-            <a:ext uri="{909E8E84-426E-40dd-AFC4-6F175D3DCCD1}">
-              <a14:hiddenFill xmlns:a14="http://schemas.microsoft.com/office/drawing/2010/main">
-                <a:solidFill>
-                  <a:srgbClr val="FFFFFF"/>
-                </a:solidFill>
-              </a14:hiddenFill>
-            </a:ext>
-            <a:ext uri="{91240B29-F687-4f45-9708-019B960494DF}">
-              <a14:hiddenLine xmlns:a14="http://schemas.microsoft.com/office/drawing/2010/main" w="9525">
-                <a:solidFill>
-                  <a:srgbClr val="000000"/>
-                </a:solidFill>
-                <a:miter lim="800000"/>
-                <a:headEnd/>
-                <a:tailEnd/>
-              </a14:hiddenLine>
-            </a:ext>
-          </a:extLst>
-        </p:spPr>
-        <p:txBody>
-          <a:bodyPr wrap="none">
-            <a:spAutoFit/>
-          </a:bodyPr>
-          <a:lstStyle>
-            <a:lvl1pPr eaLnBrk="0" hangingPunct="0">
-              <a:defRPr sz="2400">
-                <a:solidFill>
-                  <a:schemeClr val="tx1"/>
-                </a:solidFill>
-                <a:latin typeface="Arial" charset="0"/>
-                <a:ea typeface="ＭＳ Ｐゴシック" charset="0"/>
-                <a:cs typeface="ＭＳ Ｐゴシック" charset="0"/>
-              </a:defRPr>
-            </a:lvl1pPr>
-            <a:lvl2pPr marL="742950" indent="-285750" eaLnBrk="0" hangingPunct="0">
-              <a:defRPr sz="2400">
-                <a:solidFill>
-                  <a:schemeClr val="tx1"/>
-                </a:solidFill>
-                <a:latin typeface="Arial" charset="0"/>
-                <a:ea typeface="ＭＳ Ｐゴシック" charset="0"/>
-              </a:defRPr>
-            </a:lvl2pPr>
-            <a:lvl3pPr marL="1143000" indent="-228600" eaLnBrk="0" hangingPunct="0">
-              <a:defRPr sz="2400">
-                <a:solidFill>
-                  <a:schemeClr val="tx1"/>
-                </a:solidFill>
-                <a:latin typeface="Arial" charset="0"/>
-                <a:ea typeface="ＭＳ Ｐゴシック" charset="0"/>
-              </a:defRPr>
-            </a:lvl3pPr>
-            <a:lvl4pPr marL="1600200" indent="-228600" eaLnBrk="0" hangingPunct="0">
-              <a:defRPr sz="2400">
-                <a:solidFill>
-                  <a:schemeClr val="tx1"/>
-                </a:solidFill>
-                <a:latin typeface="Arial" charset="0"/>
-                <a:ea typeface="ＭＳ Ｐゴシック" charset="0"/>
-              </a:defRPr>
-            </a:lvl4pPr>
-            <a:lvl5pPr marL="2057400" indent="-228600" eaLnBrk="0" hangingPunct="0">
-              <a:defRPr sz="2400">
-                <a:solidFill>
-                  <a:schemeClr val="tx1"/>
-                </a:solidFill>
-                <a:latin typeface="Arial" charset="0"/>
-                <a:ea typeface="ＭＳ Ｐゴシック" charset="0"/>
-              </a:defRPr>
-            </a:lvl5pPr>
-            <a:lvl6pPr marL="2514600" indent="-228600" eaLnBrk="0" fontAlgn="base" hangingPunct="0">
-              <a:spcBef>
-                <a:spcPct val="0"/>
-              </a:spcBef>
-              <a:spcAft>
-                <a:spcPct val="0"/>
-              </a:spcAft>
-              <a:defRPr sz="2400">
-                <a:solidFill>
-                  <a:schemeClr val="tx1"/>
-                </a:solidFill>
-                <a:latin typeface="Arial" charset="0"/>
-                <a:ea typeface="ＭＳ Ｐゴシック" charset="0"/>
-              </a:defRPr>
-            </a:lvl6pPr>
-            <a:lvl7pPr marL="2971800" indent="-228600" eaLnBrk="0" fontAlgn="base" hangingPunct="0">
-              <a:spcBef>
-                <a:spcPct val="0"/>
-              </a:spcBef>
-              <a:spcAft>
-                <a:spcPct val="0"/>
-              </a:spcAft>
-              <a:defRPr sz="2400">
-                <a:solidFill>
-                  <a:schemeClr val="tx1"/>
-                </a:solidFill>
-                <a:latin typeface="Arial" charset="0"/>
-                <a:ea typeface="ＭＳ Ｐゴシック" charset="0"/>
-              </a:defRPr>
-            </a:lvl7pPr>
-            <a:lvl8pPr marL="3429000" indent="-228600" eaLnBrk="0" fontAlgn="base" hangingPunct="0">
-              <a:spcBef>
-                <a:spcPct val="0"/>
-              </a:spcBef>
-              <a:spcAft>
-                <a:spcPct val="0"/>
-              </a:spcAft>
-              <a:defRPr sz="2400">
-                <a:solidFill>
-                  <a:schemeClr val="tx1"/>
-                </a:solidFill>
-                <a:latin typeface="Arial" charset="0"/>
-                <a:ea typeface="ＭＳ Ｐゴシック" charset="0"/>
-              </a:defRPr>
-            </a:lvl8pPr>
-            <a:lvl9pPr marL="3886200" indent="-228600" eaLnBrk="0" fontAlgn="base" hangingPunct="0">
-              <a:spcBef>
-                <a:spcPct val="0"/>
-              </a:spcBef>
-              <a:spcAft>
-                <a:spcPct val="0"/>
-              </a:spcAft>
-              <a:defRPr sz="2400">
-                <a:solidFill>
-                  <a:schemeClr val="tx1"/>
-                </a:solidFill>
-                <a:latin typeface="Arial" charset="0"/>
-                <a:ea typeface="ＭＳ Ｐゴシック" charset="0"/>
-              </a:defRPr>
-            </a:lvl9pPr>
-          </a:lstStyle>
-          <a:p>
-            <a:pPr eaLnBrk="1" hangingPunct="1"/>
-            <a:r>
-              <a:rPr lang="en-US" sz="1800">
-                <a:latin typeface="Calibri" charset="0"/>
-              </a:rPr>
-              <a:t>Analyze the run time</a:t>
-            </a:r>
-          </a:p>
-        </p:txBody>
-      </p:sp>
-    </p:spTree>
-    <p:extLst>
-      <p:ext uri="{BB962C8B-B14F-4D97-AF65-F5344CB8AC3E}">
-        <p14:creationId xmlns:p14="http://schemas.microsoft.com/office/powerpoint/2010/main" val="3515382996"/>
-      </p:ext>
-    </p:extLst>
-  </p:cSld>
-  <p:clrMapOvr>
-    <a:masterClrMapping/>
-  </p:clrMapOvr>
-  <p:timing>
-    <p:tnLst>
-      <p:par>
-        <p:cTn xmlns:p14="http://schemas.microsoft.com/office/powerpoint/2010/main" id="1" dur="indefinite" restart="never" nodeType="tmRoot"/>
-      </p:par>
-    </p:tnLst>
-  </p:timing>
-</p:sld>
-</file>
-
-<file path=ppt/slides/slide8.xml><?xml version="1.0" encoding="utf-8"?>
+<file path=ppt/slides/slide6.xml><?xml version="1.0" encoding="utf-8"?>
 <p:sld xmlns:a="http://schemas.openxmlformats.org/drawingml/2006/main" xmlns:r="http://schemas.openxmlformats.org/officeDocument/2006/relationships" xmlns:p="http://schemas.openxmlformats.org/presentationml/2006/main">
   <p:cSld>
     <p:spTree>
@@ -8788,22 +8149,6 @@
         <p:txBody>
           <a:bodyPr anchor="ctr"/>
           <a:lstStyle/>
-          <a:p>
-            <a:pPr algn="ctr">
-              <a:defRPr/>
-            </a:pPr>
-            <a:r>
-              <a:rPr lang="en-US" sz="2700">
-                <a:solidFill>
-                  <a:srgbClr val="FFFFFF"/>
-                </a:solidFill>
-                <a:latin typeface="Calibri" charset="0"/>
-                <a:ea typeface="ＭＳ Ｐゴシック" charset="0"/>
-                <a:cs typeface="ＭＳ Ｐゴシック" charset="0"/>
-              </a:rPr>
-              <a:t>Group talk time:</a:t>
-            </a:r>
-          </a:p>
           <a:p>
             <a:pPr algn="ctr">
               <a:defRPr/>
@@ -8979,7 +8324,7 @@
 </p:sld>
 </file>
 
-<file path=ppt/slides/slide9.xml><?xml version="1.0" encoding="utf-8"?>
+<file path=ppt/slides/slide7.xml><?xml version="1.0" encoding="utf-8"?>
 <p:sld xmlns:a="http://schemas.openxmlformats.org/drawingml/2006/main" xmlns:r="http://schemas.openxmlformats.org/officeDocument/2006/relationships" xmlns:p="http://schemas.openxmlformats.org/presentationml/2006/main">
   <p:cSld>
     <p:spTree>
